--- a/SamuelNixon_Poster.pptx
+++ b/SamuelNixon_Poster.pptx
@@ -2988,7 +2988,7 @@
         </p:blipFill>
         <p:spPr>
           <a:xfrm>
-            <a:off x="13094693" y="10781655"/>
+            <a:off x="14878355" y="11376478"/>
             <a:ext cx="4903463" cy="5124521"/>
           </a:xfrm>
           <a:prstGeom prst="rect">
@@ -3420,15 +3420,7 @@
           <a:p>
             <a:r>
               <a:rPr lang="en-US" sz="2800" dirty="0"/>
-              <a:t>Asset location in industry using devices with on-board GPS radios is a problem that already has a solution. However, a low cost solution that can leverage existing on-board technology (such as AOBRD/ELD) has yet to be developed. Simple </a:t>
-            </a:r>
-            <a:r>
-              <a:rPr lang="en-US" sz="2800" dirty="0" err="1"/>
-              <a:t>bluetooth</a:t>
-            </a:r>
-            <a:r>
-              <a:rPr lang="en-US" sz="2800" dirty="0"/>
-              <a:t> beacons can be bought off-the-shelf from vendors easily, and this project seeks to utilize these simple beacons in combination with connected devices and cloud services to provide a solution that will allow monitoring and reporting of device locations in a site or yard.</a:t>
+              <a:t>Asset location in industry using devices with on-board GPS radios is a problem that already has a solution. However, a low cost solution that can leverage existing on-board technology (such as AOBRD/ELD) has yet to be developed. Simple Bluetooth beacons can be bought off-the-shelf from vendors easily, and this project seeks to utilize these simple beacons in combination with connected devices and cloud services to provide a solution that will allow monitoring and reporting of device locations in a site or yard.</a:t>
             </a:r>
           </a:p>
         </p:txBody>
@@ -3589,8 +3581,21 @@
                   <a:schemeClr val="bg1"/>
                 </a:solidFill>
               </a:rPr>
-              <a:t>3. Approach</a:t>
-            </a:r>
+              <a:t>3. </a:t>
+            </a:r>
+            <a:r>
+              <a:rPr lang="en-US">
+                <a:solidFill>
+                  <a:schemeClr val="bg1"/>
+                </a:solidFill>
+              </a:rPr>
+              <a:t>Implementation</a:t>
+            </a:r>
+            <a:endParaRPr lang="en-US" dirty="0">
+              <a:solidFill>
+                <a:schemeClr val="bg1"/>
+              </a:solidFill>
+            </a:endParaRPr>
           </a:p>
         </p:txBody>
       </p:sp>
@@ -3659,7 +3664,7 @@
         </p:blipFill>
         <p:spPr>
           <a:xfrm>
-            <a:off x="457200" y="12494347"/>
+            <a:off x="368299" y="12776801"/>
             <a:ext cx="7607447" cy="2914039"/>
           </a:xfrm>
           <a:prstGeom prst="rect">
@@ -3689,7 +3694,7 @@
         </p:blipFill>
         <p:spPr>
           <a:xfrm>
-            <a:off x="8570913" y="11587627"/>
+            <a:off x="9510713" y="12293317"/>
             <a:ext cx="4419600" cy="3810000"/>
           </a:xfrm>
           <a:prstGeom prst="rect">

--- a/SamuelNixon_Poster.pptx
+++ b/SamuelNixon_Poster.pptx
@@ -104,6 +104,11 @@
       </a:defRPr>
     </a:lvl9pPr>
   </p:defaultTextStyle>
+  <p:extLst>
+    <p:ext uri="{EFAFB233-063F-42B5-8137-9DF3F51BA10A}">
+      <p15:sldGuideLst xmlns:p15="http://schemas.microsoft.com/office/powerpoint/2012/main"/>
+    </p:ext>
+  </p:extLst>
 </p:presentation>
 </file>
 
@@ -238,9 +243,9 @@
           <a:p>
             <a:fld id="{F5376FB1-430B-E643-951D-845A37707563}" type="datetimeFigureOut">
               <a:rPr lang="en-US" smtClean="0"/>
-              <a:t>3/13/19</a:t>
+              <a:t>3/20/19</a:t>
             </a:fld>
-            <a:endParaRPr lang="en-US"/>
+            <a:endParaRPr lang="en-US" dirty="0"/>
           </a:p>
         </p:txBody>
       </p:sp>
@@ -259,7 +264,7 @@
           <a:bodyPr/>
           <a:lstStyle/>
           <a:p>
-            <a:endParaRPr lang="en-US"/>
+            <a:endParaRPr lang="en-US" dirty="0"/>
           </a:p>
         </p:txBody>
       </p:sp>
@@ -282,7 +287,7 @@
               <a:rPr lang="en-US" smtClean="0"/>
               <a:t>‹#›</a:t>
             </a:fld>
-            <a:endParaRPr lang="en-US"/>
+            <a:endParaRPr lang="en-US" dirty="0"/>
           </a:p>
         </p:txBody>
       </p:sp>
@@ -408,9 +413,9 @@
           <a:p>
             <a:fld id="{F5376FB1-430B-E643-951D-845A37707563}" type="datetimeFigureOut">
               <a:rPr lang="en-US" smtClean="0"/>
-              <a:t>3/13/19</a:t>
+              <a:t>3/20/19</a:t>
             </a:fld>
-            <a:endParaRPr lang="en-US"/>
+            <a:endParaRPr lang="en-US" dirty="0"/>
           </a:p>
         </p:txBody>
       </p:sp>
@@ -429,7 +434,7 @@
           <a:bodyPr/>
           <a:lstStyle/>
           <a:p>
-            <a:endParaRPr lang="en-US"/>
+            <a:endParaRPr lang="en-US" dirty="0"/>
           </a:p>
         </p:txBody>
       </p:sp>
@@ -452,7 +457,7 @@
               <a:rPr lang="en-US" smtClean="0"/>
               <a:t>‹#›</a:t>
             </a:fld>
-            <a:endParaRPr lang="en-US"/>
+            <a:endParaRPr lang="en-US" dirty="0"/>
           </a:p>
         </p:txBody>
       </p:sp>
@@ -588,9 +593,9 @@
           <a:p>
             <a:fld id="{F5376FB1-430B-E643-951D-845A37707563}" type="datetimeFigureOut">
               <a:rPr lang="en-US" smtClean="0"/>
-              <a:t>3/13/19</a:t>
+              <a:t>3/20/19</a:t>
             </a:fld>
-            <a:endParaRPr lang="en-US"/>
+            <a:endParaRPr lang="en-US" dirty="0"/>
           </a:p>
         </p:txBody>
       </p:sp>
@@ -609,7 +614,7 @@
           <a:bodyPr/>
           <a:lstStyle/>
           <a:p>
-            <a:endParaRPr lang="en-US"/>
+            <a:endParaRPr lang="en-US" dirty="0"/>
           </a:p>
         </p:txBody>
       </p:sp>
@@ -632,7 +637,7 @@
               <a:rPr lang="en-US" smtClean="0"/>
               <a:t>‹#›</a:t>
             </a:fld>
-            <a:endParaRPr lang="en-US"/>
+            <a:endParaRPr lang="en-US" dirty="0"/>
           </a:p>
         </p:txBody>
       </p:sp>
@@ -758,9 +763,9 @@
           <a:p>
             <a:fld id="{F5376FB1-430B-E643-951D-845A37707563}" type="datetimeFigureOut">
               <a:rPr lang="en-US" smtClean="0"/>
-              <a:t>3/13/19</a:t>
+              <a:t>3/20/19</a:t>
             </a:fld>
-            <a:endParaRPr lang="en-US"/>
+            <a:endParaRPr lang="en-US" dirty="0"/>
           </a:p>
         </p:txBody>
       </p:sp>
@@ -779,7 +784,7 @@
           <a:bodyPr/>
           <a:lstStyle/>
           <a:p>
-            <a:endParaRPr lang="en-US"/>
+            <a:endParaRPr lang="en-US" dirty="0"/>
           </a:p>
         </p:txBody>
       </p:sp>
@@ -802,7 +807,7 @@
               <a:rPr lang="en-US" smtClean="0"/>
               <a:t>‹#›</a:t>
             </a:fld>
-            <a:endParaRPr lang="en-US"/>
+            <a:endParaRPr lang="en-US" dirty="0"/>
           </a:p>
         </p:txBody>
       </p:sp>
@@ -1002,9 +1007,9 @@
           <a:p>
             <a:fld id="{F5376FB1-430B-E643-951D-845A37707563}" type="datetimeFigureOut">
               <a:rPr lang="en-US" smtClean="0"/>
-              <a:t>3/13/19</a:t>
+              <a:t>3/20/19</a:t>
             </a:fld>
-            <a:endParaRPr lang="en-US"/>
+            <a:endParaRPr lang="en-US" dirty="0"/>
           </a:p>
         </p:txBody>
       </p:sp>
@@ -1023,7 +1028,7 @@
           <a:bodyPr/>
           <a:lstStyle/>
           <a:p>
-            <a:endParaRPr lang="en-US"/>
+            <a:endParaRPr lang="en-US" dirty="0"/>
           </a:p>
         </p:txBody>
       </p:sp>
@@ -1046,7 +1051,7 @@
               <a:rPr lang="en-US" smtClean="0"/>
               <a:t>‹#›</a:t>
             </a:fld>
-            <a:endParaRPr lang="en-US"/>
+            <a:endParaRPr lang="en-US" dirty="0"/>
           </a:p>
         </p:txBody>
       </p:sp>
@@ -1234,9 +1239,9 @@
           <a:p>
             <a:fld id="{F5376FB1-430B-E643-951D-845A37707563}" type="datetimeFigureOut">
               <a:rPr lang="en-US" smtClean="0"/>
-              <a:t>3/13/19</a:t>
+              <a:t>3/20/19</a:t>
             </a:fld>
-            <a:endParaRPr lang="en-US"/>
+            <a:endParaRPr lang="en-US" dirty="0"/>
           </a:p>
         </p:txBody>
       </p:sp>
@@ -1255,7 +1260,7 @@
           <a:bodyPr/>
           <a:lstStyle/>
           <a:p>
-            <a:endParaRPr lang="en-US"/>
+            <a:endParaRPr lang="en-US" dirty="0"/>
           </a:p>
         </p:txBody>
       </p:sp>
@@ -1278,7 +1283,7 @@
               <a:rPr lang="en-US" smtClean="0"/>
               <a:t>‹#›</a:t>
             </a:fld>
-            <a:endParaRPr lang="en-US"/>
+            <a:endParaRPr lang="en-US" dirty="0"/>
           </a:p>
         </p:txBody>
       </p:sp>
@@ -1601,9 +1606,9 @@
           <a:p>
             <a:fld id="{F5376FB1-430B-E643-951D-845A37707563}" type="datetimeFigureOut">
               <a:rPr lang="en-US" smtClean="0"/>
-              <a:t>3/13/19</a:t>
+              <a:t>3/20/19</a:t>
             </a:fld>
-            <a:endParaRPr lang="en-US"/>
+            <a:endParaRPr lang="en-US" dirty="0"/>
           </a:p>
         </p:txBody>
       </p:sp>
@@ -1622,7 +1627,7 @@
           <a:bodyPr/>
           <a:lstStyle/>
           <a:p>
-            <a:endParaRPr lang="en-US"/>
+            <a:endParaRPr lang="en-US" dirty="0"/>
           </a:p>
         </p:txBody>
       </p:sp>
@@ -1645,7 +1650,7 @@
               <a:rPr lang="en-US" smtClean="0"/>
               <a:t>‹#›</a:t>
             </a:fld>
-            <a:endParaRPr lang="en-US"/>
+            <a:endParaRPr lang="en-US" dirty="0"/>
           </a:p>
         </p:txBody>
       </p:sp>
@@ -1719,9 +1724,9 @@
           <a:p>
             <a:fld id="{F5376FB1-430B-E643-951D-845A37707563}" type="datetimeFigureOut">
               <a:rPr lang="en-US" smtClean="0"/>
-              <a:t>3/13/19</a:t>
+              <a:t>3/20/19</a:t>
             </a:fld>
-            <a:endParaRPr lang="en-US"/>
+            <a:endParaRPr lang="en-US" dirty="0"/>
           </a:p>
         </p:txBody>
       </p:sp>
@@ -1740,7 +1745,7 @@
           <a:bodyPr/>
           <a:lstStyle/>
           <a:p>
-            <a:endParaRPr lang="en-US"/>
+            <a:endParaRPr lang="en-US" dirty="0"/>
           </a:p>
         </p:txBody>
       </p:sp>
@@ -1763,7 +1768,7 @@
               <a:rPr lang="en-US" smtClean="0"/>
               <a:t>‹#›</a:t>
             </a:fld>
-            <a:endParaRPr lang="en-US"/>
+            <a:endParaRPr lang="en-US" dirty="0"/>
           </a:p>
         </p:txBody>
       </p:sp>
@@ -1814,9 +1819,9 @@
           <a:p>
             <a:fld id="{F5376FB1-430B-E643-951D-845A37707563}" type="datetimeFigureOut">
               <a:rPr lang="en-US" smtClean="0"/>
-              <a:t>3/13/19</a:t>
+              <a:t>3/20/19</a:t>
             </a:fld>
-            <a:endParaRPr lang="en-US"/>
+            <a:endParaRPr lang="en-US" dirty="0"/>
           </a:p>
         </p:txBody>
       </p:sp>
@@ -1835,7 +1840,7 @@
           <a:bodyPr/>
           <a:lstStyle/>
           <a:p>
-            <a:endParaRPr lang="en-US"/>
+            <a:endParaRPr lang="en-US" dirty="0"/>
           </a:p>
         </p:txBody>
       </p:sp>
@@ -1858,7 +1863,7 @@
               <a:rPr lang="en-US" smtClean="0"/>
               <a:t>‹#›</a:t>
             </a:fld>
-            <a:endParaRPr lang="en-US"/>
+            <a:endParaRPr lang="en-US" dirty="0"/>
           </a:p>
         </p:txBody>
       </p:sp>
@@ -2091,9 +2096,9 @@
           <a:p>
             <a:fld id="{F5376FB1-430B-E643-951D-845A37707563}" type="datetimeFigureOut">
               <a:rPr lang="en-US" smtClean="0"/>
-              <a:t>3/13/19</a:t>
+              <a:t>3/20/19</a:t>
             </a:fld>
-            <a:endParaRPr lang="en-US"/>
+            <a:endParaRPr lang="en-US" dirty="0"/>
           </a:p>
         </p:txBody>
       </p:sp>
@@ -2112,7 +2117,7 @@
           <a:bodyPr/>
           <a:lstStyle/>
           <a:p>
-            <a:endParaRPr lang="en-US"/>
+            <a:endParaRPr lang="en-US" dirty="0"/>
           </a:p>
         </p:txBody>
       </p:sp>
@@ -2135,7 +2140,7 @@
               <a:rPr lang="en-US" smtClean="0"/>
               <a:t>‹#›</a:t>
             </a:fld>
-            <a:endParaRPr lang="en-US"/>
+            <a:endParaRPr lang="en-US" dirty="0"/>
           </a:p>
         </p:txBody>
       </p:sp>
@@ -2259,10 +2264,9 @@
           </a:lstStyle>
           <a:p>
             <a:r>
-              <a:rPr lang="en-US"/>
+              <a:rPr lang="en-US" dirty="0"/>
               <a:t>Click icon to add picture</a:t>
             </a:r>
-            <a:endParaRPr lang="en-US" dirty="0"/>
           </a:p>
         </p:txBody>
       </p:sp>
@@ -2348,9 +2352,9 @@
           <a:p>
             <a:fld id="{F5376FB1-430B-E643-951D-845A37707563}" type="datetimeFigureOut">
               <a:rPr lang="en-US" smtClean="0"/>
-              <a:t>3/13/19</a:t>
+              <a:t>3/20/19</a:t>
             </a:fld>
-            <a:endParaRPr lang="en-US"/>
+            <a:endParaRPr lang="en-US" dirty="0"/>
           </a:p>
         </p:txBody>
       </p:sp>
@@ -2369,7 +2373,7 @@
           <a:bodyPr/>
           <a:lstStyle/>
           <a:p>
-            <a:endParaRPr lang="en-US"/>
+            <a:endParaRPr lang="en-US" dirty="0"/>
           </a:p>
         </p:txBody>
       </p:sp>
@@ -2392,7 +2396,7 @@
               <a:rPr lang="en-US" smtClean="0"/>
               <a:t>‹#›</a:t>
             </a:fld>
-            <a:endParaRPr lang="en-US"/>
+            <a:endParaRPr lang="en-US" dirty="0"/>
           </a:p>
         </p:txBody>
       </p:sp>
@@ -2561,9 +2565,9 @@
           <a:p>
             <a:fld id="{F5376FB1-430B-E643-951D-845A37707563}" type="datetimeFigureOut">
               <a:rPr lang="en-US" smtClean="0"/>
-              <a:t>3/13/19</a:t>
+              <a:t>3/20/19</a:t>
             </a:fld>
-            <a:endParaRPr lang="en-US"/>
+            <a:endParaRPr lang="en-US" dirty="0"/>
           </a:p>
         </p:txBody>
       </p:sp>
@@ -2600,7 +2604,7 @@
             </a:lvl1pPr>
           </a:lstStyle>
           <a:p>
-            <a:endParaRPr lang="en-US"/>
+            <a:endParaRPr lang="en-US" dirty="0"/>
           </a:p>
         </p:txBody>
       </p:sp>
@@ -2641,7 +2645,7 @@
               <a:rPr lang="en-US" smtClean="0"/>
               <a:t>‹#›</a:t>
             </a:fld>
-            <a:endParaRPr lang="en-US"/>
+            <a:endParaRPr lang="en-US" dirty="0"/>
           </a:p>
         </p:txBody>
       </p:sp>
@@ -2966,12 +2970,141 @@
           <a:chExt cx="0" cy="0"/>
         </a:xfrm>
       </p:grpSpPr>
+      <p:sp>
+        <p:nvSpPr>
+          <p:cNvPr id="45" name="TextBox 44">
+            <a:extLst>
+              <a:ext uri="{FF2B5EF4-FFF2-40B4-BE49-F238E27FC236}">
+                <a16:creationId xmlns:a16="http://schemas.microsoft.com/office/drawing/2014/main" id="{65DB10B7-4E74-DC42-BDEC-8A23274916B9}"/>
+              </a:ext>
+            </a:extLst>
+          </p:cNvPr>
+          <p:cNvSpPr txBox="1"/>
+          <p:nvPr/>
+        </p:nvSpPr>
+        <p:spPr>
+          <a:xfrm>
+            <a:off x="11183786" y="10226015"/>
+            <a:ext cx="9898619" cy="7478970"/>
+          </a:xfrm>
+          <a:prstGeom prst="rect">
+            <a:avLst/>
+          </a:prstGeom>
+          <a:noFill/>
+        </p:spPr>
+        <p:txBody>
+          <a:bodyPr wrap="square" rtlCol="0">
+            <a:spAutoFit/>
+          </a:bodyPr>
+          <a:lstStyle/>
+          <a:p>
+            <a:pPr algn="just"/>
+            <a:r>
+              <a:rPr lang="en-US" sz="2400" b="1" dirty="0"/>
+              <a:t>Simulation</a:t>
+            </a:r>
+            <a:r>
+              <a:rPr lang="en-US" sz="2400" dirty="0"/>
+              <a:t>:</a:t>
+            </a:r>
+          </a:p>
+          <a:p>
+            <a:pPr algn="just"/>
+            <a:r>
+              <a:rPr lang="en-US" sz="2400" dirty="0"/>
+              <a:t>AnyLogic simulation software is used to generate agent-based simulations of device movement around a Geographic Information System (GIS) yard, in order to provide input to the cloud services and assess the accuracy of the cloud services output. This style of simulation is known as symbiotic simulation i.e. where a real system responds to input from a simulation. Figure 3 shows a simple simulation with 5 trailers, a forklift and a truck in a mock yard. These simulations can be tuned to adjust parameters such as:</a:t>
+            </a:r>
+          </a:p>
+          <a:p>
+            <a:pPr algn="just"/>
+            <a:endParaRPr lang="en-US" sz="2400" dirty="0"/>
+          </a:p>
+          <a:p>
+            <a:pPr marL="457200" indent="-457200" algn="just">
+              <a:buFont typeface="Arial" panose="020B0604020202020204" pitchFamily="34" charset="0"/>
+              <a:buChar char="•"/>
+            </a:pPr>
+            <a:r>
+              <a:rPr lang="en-US" sz="2400" dirty="0"/>
+              <a:t>The number of active devices</a:t>
+            </a:r>
+          </a:p>
+          <a:p>
+            <a:pPr marL="457200" indent="-457200" algn="just">
+              <a:buFont typeface="Arial" panose="020B0604020202020204" pitchFamily="34" charset="0"/>
+              <a:buChar char="•"/>
+            </a:pPr>
+            <a:r>
+              <a:rPr lang="en-US" sz="2400" dirty="0"/>
+              <a:t>Frequency of device movement</a:t>
+            </a:r>
+          </a:p>
+          <a:p>
+            <a:pPr marL="457200" indent="-457200" algn="just">
+              <a:buFont typeface="Arial" panose="020B0604020202020204" pitchFamily="34" charset="0"/>
+              <a:buChar char="•"/>
+            </a:pPr>
+            <a:r>
+              <a:rPr lang="en-US" sz="2400" dirty="0"/>
+              <a:t>Speed of device movement</a:t>
+            </a:r>
+          </a:p>
+          <a:p>
+            <a:pPr marL="457200" indent="-457200" algn="just">
+              <a:buFont typeface="Arial" panose="020B0604020202020204" pitchFamily="34" charset="0"/>
+              <a:buChar char="•"/>
+            </a:pPr>
+            <a:r>
+              <a:rPr lang="en-US" sz="2400" dirty="0"/>
+              <a:t>Burstiness of data</a:t>
+            </a:r>
+          </a:p>
+          <a:p>
+            <a:pPr marL="457200" indent="-457200" algn="just">
+              <a:buFont typeface="Arial" panose="020B0604020202020204" pitchFamily="34" charset="0"/>
+              <a:buChar char="•"/>
+            </a:pPr>
+            <a:r>
+              <a:rPr lang="en-US" sz="2400" dirty="0"/>
+              <a:t>Range of Bluetooth radio</a:t>
+            </a:r>
+          </a:p>
+          <a:p>
+            <a:pPr algn="just"/>
+            <a:endParaRPr lang="en-US" sz="2400" dirty="0"/>
+          </a:p>
+          <a:p>
+            <a:pPr algn="just"/>
+            <a:endParaRPr lang="en-US" sz="2400" b="1" dirty="0"/>
+          </a:p>
+          <a:p>
+            <a:pPr algn="just"/>
+            <a:endParaRPr lang="en-US" sz="2400" b="1" dirty="0"/>
+          </a:p>
+          <a:p>
+            <a:pPr algn="just"/>
+            <a:endParaRPr lang="en-US" sz="2400" b="1" dirty="0"/>
+          </a:p>
+          <a:p>
+            <a:pPr algn="just"/>
+            <a:r>
+              <a:rPr lang="en-US" sz="2400" dirty="0"/>
+              <a:t>Figure 4 shows  the symbiotic relationship between AnyLogic and the Cloud Services. AnyLogic is Java based, allowing fine grained control </a:t>
+            </a:r>
+            <a:r>
+              <a:rPr lang="en-US" sz="2400"/>
+              <a:t>of simulations.</a:t>
+            </a:r>
+            <a:endParaRPr lang="en-US" sz="2400" dirty="0"/>
+          </a:p>
+        </p:txBody>
+      </p:sp>
       <p:pic>
         <p:nvPicPr>
-          <p:cNvPr id="40" name="Picture 39">
+          <p:cNvPr id="23" name="Picture 22">
             <a:extLst>
               <a:ext uri="{FF2B5EF4-FFF2-40B4-BE49-F238E27FC236}">
-                <a16:creationId xmlns:a16="http://schemas.microsoft.com/office/drawing/2014/main" id="{5890CEF3-5691-294C-A1A7-8FEE5E41562A}"/>
+                <a16:creationId xmlns:a16="http://schemas.microsoft.com/office/drawing/2014/main" id="{B4848EE1-00CD-DD42-B4E6-5DBD123384C8}"/>
               </a:ext>
             </a:extLst>
           </p:cNvPr>
@@ -2988,8 +3121,68 @@
         </p:blipFill>
         <p:spPr>
           <a:xfrm>
-            <a:off x="14878355" y="11376478"/>
-            <a:ext cx="4903463" cy="5124521"/>
+            <a:off x="16752285" y="13454130"/>
+            <a:ext cx="2939196" cy="2933123"/>
+          </a:xfrm>
+          <a:prstGeom prst="rect">
+            <a:avLst/>
+          </a:prstGeom>
+        </p:spPr>
+      </p:pic>
+      <p:pic>
+        <p:nvPicPr>
+          <p:cNvPr id="16" name="Picture 15">
+            <a:extLst>
+              <a:ext uri="{FF2B5EF4-FFF2-40B4-BE49-F238E27FC236}">
+                <a16:creationId xmlns:a16="http://schemas.microsoft.com/office/drawing/2014/main" id="{EC9AF497-9E97-A244-B1AE-1F116BFD85C9}"/>
+              </a:ext>
+            </a:extLst>
+          </p:cNvPr>
+          <p:cNvPicPr>
+            <a:picLocks noChangeAspect="1"/>
+          </p:cNvPicPr>
+          <p:nvPr/>
+        </p:nvPicPr>
+        <p:blipFill>
+          <a:blip r:embed="rId3"/>
+          <a:stretch>
+            <a:fillRect/>
+          </a:stretch>
+        </p:blipFill>
+        <p:spPr>
+          <a:xfrm>
+            <a:off x="2179999" y="17638539"/>
+            <a:ext cx="6806341" cy="7861798"/>
+          </a:xfrm>
+          <a:prstGeom prst="rect">
+            <a:avLst/>
+          </a:prstGeom>
+        </p:spPr>
+      </p:pic>
+      <p:pic>
+        <p:nvPicPr>
+          <p:cNvPr id="14" name="Picture 13">
+            <a:extLst>
+              <a:ext uri="{FF2B5EF4-FFF2-40B4-BE49-F238E27FC236}">
+                <a16:creationId xmlns:a16="http://schemas.microsoft.com/office/drawing/2014/main" id="{A7D987BC-5762-4E42-B920-3F09894A122F}"/>
+              </a:ext>
+            </a:extLst>
+          </p:cNvPr>
+          <p:cNvPicPr>
+            <a:picLocks noChangeAspect="1"/>
+          </p:cNvPicPr>
+          <p:nvPr/>
+        </p:nvPicPr>
+        <p:blipFill>
+          <a:blip r:embed="rId4"/>
+          <a:stretch>
+            <a:fillRect/>
+          </a:stretch>
+        </p:blipFill>
+        <p:spPr>
+          <a:xfrm>
+            <a:off x="12389568" y="18038859"/>
+            <a:ext cx="6957449" cy="3972274"/>
           </a:xfrm>
           <a:prstGeom prst="rect">
             <a:avLst/>
@@ -3045,7 +3238,7 @@
           <p:nvPr/>
         </p:nvPicPr>
         <p:blipFill>
-          <a:blip r:embed="rId3"/>
+          <a:blip r:embed="rId5"/>
           <a:stretch>
             <a:fillRect/>
           </a:stretch>
@@ -3088,6 +3281,7 @@
           </a:bodyPr>
           <a:lstStyle/>
           <a:p>
+            <a:pPr algn="ctr"/>
             <a:r>
               <a:rPr lang="en-US" dirty="0">
                 <a:solidFill>
@@ -3141,7 +3335,7 @@
                   <a:schemeClr val="bg1"/>
                 </a:solidFill>
               </a:rPr>
-              <a:t> Samuel Nixon</a:t>
+              <a:t> 	Samuel Nixon</a:t>
             </a:r>
           </a:p>
           <a:p>
@@ -3151,7 +3345,7 @@
                   <a:schemeClr val="bg1"/>
                 </a:solidFill>
               </a:rPr>
-              <a:t>Project Supervisor </a:t>
+              <a:t>Project Supervisor 	</a:t>
             </a:r>
             <a:r>
               <a:rPr lang="en-US" sz="2400" dirty="0">
@@ -3159,7 +3353,7 @@
                   <a:schemeClr val="bg1"/>
                 </a:solidFill>
               </a:rPr>
-              <a:t>Eddie Jones</a:t>
+              <a:t>Dr. Edward Jones</a:t>
             </a:r>
           </a:p>
         </p:txBody>
@@ -3179,14 +3373,14 @@
           <p:nvPr/>
         </p:nvPicPr>
         <p:blipFill>
-          <a:blip r:embed="rId4"/>
+          <a:blip r:embed="rId6"/>
           <a:stretch>
             <a:fillRect/>
           </a:stretch>
         </p:blipFill>
         <p:spPr>
           <a:xfrm>
-            <a:off x="578327" y="27394510"/>
+            <a:off x="3773132" y="27538344"/>
             <a:ext cx="3200400" cy="3200400"/>
           </a:xfrm>
           <a:prstGeom prst="rect">
@@ -3209,14 +3403,14 @@
           <p:nvPr/>
         </p:nvPicPr>
         <p:blipFill>
-          <a:blip r:embed="rId5"/>
+          <a:blip r:embed="rId7"/>
           <a:stretch>
             <a:fillRect/>
           </a:stretch>
         </p:blipFill>
         <p:spPr>
           <a:xfrm>
-            <a:off x="3778727" y="28331532"/>
+            <a:off x="14630400" y="28475366"/>
             <a:ext cx="3940248" cy="1326356"/>
           </a:xfrm>
           <a:prstGeom prst="rect">
@@ -3239,14 +3433,14 @@
           <p:nvPr/>
         </p:nvPicPr>
         <p:blipFill>
-          <a:blip r:embed="rId6"/>
+          <a:blip r:embed="rId8"/>
           <a:stretch>
             <a:fillRect/>
           </a:stretch>
         </p:blipFill>
         <p:spPr>
           <a:xfrm>
-            <a:off x="7718975" y="28099904"/>
+            <a:off x="12460853" y="28012110"/>
             <a:ext cx="961952" cy="1789612"/>
           </a:xfrm>
           <a:prstGeom prst="rect">
@@ -3269,14 +3463,14 @@
           <p:nvPr/>
         </p:nvPicPr>
         <p:blipFill>
-          <a:blip r:embed="rId7"/>
+          <a:blip r:embed="rId9"/>
           <a:stretch>
             <a:fillRect/>
           </a:stretch>
         </p:blipFill>
         <p:spPr>
           <a:xfrm>
-            <a:off x="9005589" y="28134800"/>
+            <a:off x="19049950" y="28143263"/>
             <a:ext cx="1724075" cy="1719818"/>
           </a:xfrm>
           <a:prstGeom prst="rect">
@@ -3299,14 +3493,14 @@
           <p:nvPr/>
         </p:nvPicPr>
         <p:blipFill>
-          <a:blip r:embed="rId8"/>
+          <a:blip r:embed="rId10"/>
           <a:stretch>
             <a:fillRect/>
           </a:stretch>
         </p:blipFill>
         <p:spPr>
           <a:xfrm>
-            <a:off x="11054327" y="28418070"/>
+            <a:off x="368300" y="28709801"/>
             <a:ext cx="2649063" cy="1153280"/>
           </a:xfrm>
           <a:prstGeom prst="rect">
@@ -3314,82 +3508,6 @@
           </a:prstGeom>
         </p:spPr>
       </p:pic>
-      <p:pic>
-        <p:nvPicPr>
-          <p:cNvPr id="25" name="Picture 24">
-            <a:extLst>
-              <a:ext uri="{FF2B5EF4-FFF2-40B4-BE49-F238E27FC236}">
-                <a16:creationId xmlns:a16="http://schemas.microsoft.com/office/drawing/2014/main" id="{8448A552-CB62-664F-AFEA-3F12E5E0219C}"/>
-              </a:ext>
-            </a:extLst>
-          </p:cNvPr>
-          <p:cNvPicPr>
-            <a:picLocks noChangeAspect="1"/>
-          </p:cNvPicPr>
-          <p:nvPr/>
-        </p:nvPicPr>
-        <p:blipFill>
-          <a:blip r:embed="rId9"/>
-          <a:stretch>
-            <a:fillRect/>
-          </a:stretch>
-        </p:blipFill>
-        <p:spPr>
-          <a:xfrm>
-            <a:off x="13703390" y="27866606"/>
-            <a:ext cx="3008276" cy="2256207"/>
-          </a:xfrm>
-          <a:prstGeom prst="rect">
-            <a:avLst/>
-          </a:prstGeom>
-        </p:spPr>
-      </p:pic>
-      <p:sp>
-        <p:nvSpPr>
-          <p:cNvPr id="28" name="TextBox 27">
-            <a:extLst>
-              <a:ext uri="{FF2B5EF4-FFF2-40B4-BE49-F238E27FC236}">
-                <a16:creationId xmlns:a16="http://schemas.microsoft.com/office/drawing/2014/main" id="{97EC148E-88A5-7B42-8305-13A0B6B2040F}"/>
-              </a:ext>
-            </a:extLst>
-          </p:cNvPr>
-          <p:cNvSpPr txBox="1"/>
-          <p:nvPr/>
-        </p:nvSpPr>
-        <p:spPr>
-          <a:xfrm>
-            <a:off x="457200" y="5051478"/>
-            <a:ext cx="6313714" cy="843436"/>
-          </a:xfrm>
-          <a:prstGeom prst="rect">
-            <a:avLst/>
-          </a:prstGeom>
-          <a:solidFill>
-            <a:srgbClr val="6A0E5A"/>
-          </a:solidFill>
-          <a:ln>
-            <a:solidFill>
-              <a:srgbClr val="6A0E5A"/>
-            </a:solidFill>
-          </a:ln>
-        </p:spPr>
-        <p:txBody>
-          <a:bodyPr wrap="square" rtlCol="0">
-            <a:spAutoFit/>
-          </a:bodyPr>
-          <a:lstStyle/>
-          <a:p>
-            <a:r>
-              <a:rPr lang="en-US" dirty="0">
-                <a:solidFill>
-                  <a:schemeClr val="bg1"/>
-                </a:solidFill>
-              </a:rPr>
-              <a:t>1. Introduction</a:t>
-            </a:r>
-          </a:p>
-        </p:txBody>
-      </p:sp>
       <p:sp>
         <p:nvSpPr>
           <p:cNvPr id="29" name="TextBox 28">
@@ -3404,8 +3522,8 @@
         </p:nvSpPr>
         <p:spPr>
           <a:xfrm>
-            <a:off x="368300" y="6144042"/>
-            <a:ext cx="11879737" cy="3108543"/>
+            <a:off x="368300" y="5911712"/>
+            <a:ext cx="11127014" cy="2677656"/>
           </a:xfrm>
           <a:prstGeom prst="rect">
             <a:avLst/>
@@ -3418,55 +3536,10 @@
           </a:bodyPr>
           <a:lstStyle/>
           <a:p>
-            <a:r>
-              <a:rPr lang="en-US" sz="2800" dirty="0"/>
-              <a:t>Asset location in industry using devices with on-board GPS radios is a problem that already has a solution. However, a low cost solution that can leverage existing on-board technology (such as AOBRD/ELD) has yet to be developed. Simple Bluetooth beacons can be bought off-the-shelf from vendors easily, and this project seeks to utilize these simple beacons in combination with connected devices and cloud services to provide a solution that will allow monitoring and reporting of device locations in a site or yard.</a:t>
-            </a:r>
-          </a:p>
-        </p:txBody>
-      </p:sp>
-      <p:sp>
-        <p:nvSpPr>
-          <p:cNvPr id="30" name="TextBox 29">
-            <a:extLst>
-              <a:ext uri="{FF2B5EF4-FFF2-40B4-BE49-F238E27FC236}">
-                <a16:creationId xmlns:a16="http://schemas.microsoft.com/office/drawing/2014/main" id="{4E02E4ED-3E94-3140-9807-4DFB23C43796}"/>
-              </a:ext>
-            </a:extLst>
-          </p:cNvPr>
-          <p:cNvSpPr txBox="1"/>
-          <p:nvPr/>
-        </p:nvSpPr>
-        <p:spPr>
-          <a:xfrm>
-            <a:off x="12389568" y="5051478"/>
-            <a:ext cx="6313714" cy="843436"/>
-          </a:xfrm>
-          <a:prstGeom prst="rect">
-            <a:avLst/>
-          </a:prstGeom>
-          <a:solidFill>
-            <a:srgbClr val="6A0E5A"/>
-          </a:solidFill>
-          <a:ln>
-            <a:solidFill>
-              <a:srgbClr val="6A0E5A"/>
-            </a:solidFill>
-          </a:ln>
-        </p:spPr>
-        <p:txBody>
-          <a:bodyPr wrap="square" rtlCol="0">
-            <a:spAutoFit/>
-          </a:bodyPr>
-          <a:lstStyle/>
-          <a:p>
-            <a:r>
-              <a:rPr lang="en-US" dirty="0">
-                <a:solidFill>
-                  <a:schemeClr val="bg1"/>
-                </a:solidFill>
-              </a:rPr>
-              <a:t>2. Objectives</a:t>
+            <a:pPr algn="just"/>
+            <a:r>
+              <a:rPr lang="en-US" sz="2400" dirty="0"/>
+              <a:t>Asset location in industry using devices with on-board GPS radios is a problem that already has a solution. However, a low cost solution that can leverage existing on-board technology (such as AOBRD/ELD) has yet to be developed. Simple Bluetooth beacons can be bought off-the-shelf from vendors easily, and this project seeks to utilize these simple beacons in combination with connected devices and cloud services to provide a solution that could, for example, provide telematics data on trailers, equipment and machinery in a busy yard.</a:t>
             </a:r>
           </a:p>
         </p:txBody>
@@ -3485,8 +3558,8 @@
         </p:nvSpPr>
         <p:spPr>
           <a:xfrm>
-            <a:off x="12389568" y="6144042"/>
-            <a:ext cx="7836916" cy="2677656"/>
+            <a:off x="12389568" y="5780038"/>
+            <a:ext cx="7836916" cy="2308324"/>
           </a:xfrm>
           <a:prstGeom prst="rect">
             <a:avLst/>
@@ -3499,103 +3572,44 @@
           </a:bodyPr>
           <a:lstStyle/>
           <a:p>
-            <a:pPr marL="457200" indent="-457200">
+            <a:pPr marL="457200" indent="-457200" algn="just">
               <a:buFont typeface="Arial" panose="020B0604020202020204" pitchFamily="34" charset="0"/>
               <a:buChar char="•"/>
             </a:pPr>
             <a:r>
-              <a:rPr lang="en-US" sz="2800" dirty="0"/>
+              <a:rPr lang="en-US" sz="2400" dirty="0"/>
               <a:t>Build cloud computing platform using Amazon Web Services (AWS)</a:t>
             </a:r>
           </a:p>
           <a:p>
-            <a:pPr marL="457200" indent="-457200">
+            <a:pPr marL="457200" indent="-457200" algn="just">
               <a:buFont typeface="Arial" panose="020B0604020202020204" pitchFamily="34" charset="0"/>
               <a:buChar char="•"/>
             </a:pPr>
             <a:r>
-              <a:rPr lang="en-US" sz="2800" dirty="0"/>
+              <a:rPr lang="en-US" sz="2400" dirty="0"/>
               <a:t>Collect real-world data for use in simulation</a:t>
             </a:r>
           </a:p>
           <a:p>
-            <a:pPr marL="457200" indent="-457200">
+            <a:pPr marL="457200" indent="-457200" algn="just">
               <a:buFont typeface="Arial" panose="020B0604020202020204" pitchFamily="34" charset="0"/>
               <a:buChar char="•"/>
             </a:pPr>
             <a:r>
-              <a:rPr lang="en-US" sz="2800" dirty="0"/>
-              <a:t>Simulate real-world traffic in a yard</a:t>
-            </a:r>
-          </a:p>
-          <a:p>
-            <a:pPr marL="457200" indent="-457200">
+              <a:rPr lang="en-US" sz="2400" dirty="0"/>
+              <a:t>Simulate traffic in a yard</a:t>
+            </a:r>
+          </a:p>
+          <a:p>
+            <a:pPr marL="457200" indent="-457200" algn="just">
               <a:buFont typeface="Arial" panose="020B0604020202020204" pitchFamily="34" charset="0"/>
               <a:buChar char="•"/>
             </a:pPr>
             <a:r>
-              <a:rPr lang="en-US" sz="2800" dirty="0"/>
+              <a:rPr lang="en-US" sz="2400" dirty="0"/>
               <a:t>Test performance of cloud computing against various simulations</a:t>
             </a:r>
-          </a:p>
-        </p:txBody>
-      </p:sp>
-      <p:sp>
-        <p:nvSpPr>
-          <p:cNvPr id="33" name="TextBox 32">
-            <a:extLst>
-              <a:ext uri="{FF2B5EF4-FFF2-40B4-BE49-F238E27FC236}">
-                <a16:creationId xmlns:a16="http://schemas.microsoft.com/office/drawing/2014/main" id="{891452F8-C2E8-064B-8848-AAEDCCBC718C}"/>
-              </a:ext>
-            </a:extLst>
-          </p:cNvPr>
-          <p:cNvSpPr txBox="1"/>
-          <p:nvPr/>
-        </p:nvSpPr>
-        <p:spPr>
-          <a:xfrm>
-            <a:off x="368300" y="9605698"/>
-            <a:ext cx="6313714" cy="843436"/>
-          </a:xfrm>
-          <a:prstGeom prst="rect">
-            <a:avLst/>
-          </a:prstGeom>
-          <a:solidFill>
-            <a:srgbClr val="6A0E5A"/>
-          </a:solidFill>
-          <a:ln>
-            <a:solidFill>
-              <a:srgbClr val="6A0E5A"/>
-            </a:solidFill>
-          </a:ln>
-        </p:spPr>
-        <p:txBody>
-          <a:bodyPr wrap="square" rtlCol="0">
-            <a:spAutoFit/>
-          </a:bodyPr>
-          <a:lstStyle/>
-          <a:p>
-            <a:r>
-              <a:rPr lang="en-US" dirty="0">
-                <a:solidFill>
-                  <a:schemeClr val="bg1"/>
-                </a:solidFill>
-              </a:rPr>
-              <a:t>3. </a:t>
-            </a:r>
-            <a:r>
-              <a:rPr lang="en-US">
-                <a:solidFill>
-                  <a:schemeClr val="bg1"/>
-                </a:solidFill>
-              </a:rPr>
-              <a:t>Implementation</a:t>
-            </a:r>
-            <a:endParaRPr lang="en-US" dirty="0">
-              <a:solidFill>
-                <a:schemeClr val="bg1"/>
-              </a:solidFill>
-            </a:endParaRPr>
           </a:p>
         </p:txBody>
       </p:sp>
@@ -3613,8 +3627,8 @@
         </p:nvSpPr>
         <p:spPr>
           <a:xfrm>
-            <a:off x="368299" y="10781655"/>
-            <a:ext cx="18907253" cy="954107"/>
+            <a:off x="334271" y="10226015"/>
+            <a:ext cx="10287096" cy="1569660"/>
           </a:xfrm>
           <a:prstGeom prst="rect">
             <a:avLst/>
@@ -3627,17 +3641,10 @@
           </a:bodyPr>
           <a:lstStyle/>
           <a:p>
-            <a:r>
-              <a:rPr lang="en-US" sz="2800" dirty="0"/>
-              <a:t>This project was separated into three main components: Cloud Services, Hardware and Simulation. </a:t>
-            </a:r>
-            <a:r>
-              <a:rPr lang="en-US" sz="2800" b="1" dirty="0"/>
-              <a:t>Figure x </a:t>
-            </a:r>
-            <a:r>
-              <a:rPr lang="en-US" sz="2800" dirty="0"/>
-              <a:t>shows how these three components interact to create a solution that a user could query to glean information on the location of devices. </a:t>
+            <a:pPr algn="just"/>
+            <a:r>
+              <a:rPr lang="en-US" sz="2400" dirty="0"/>
+              <a:t>This project was separated into three main sections: Input, Processing and Output. Figure 1 shows how these sections interact to provide a plug-and-play architecture. Real data was provided by a Raspberry Pi with a GPS module running a  Python script.</a:t>
             </a:r>
           </a:p>
         </p:txBody>
@@ -3657,36 +3664,6 @@
           <p:nvPr/>
         </p:nvPicPr>
         <p:blipFill>
-          <a:blip r:embed="rId10"/>
-          <a:stretch>
-            <a:fillRect/>
-          </a:stretch>
-        </p:blipFill>
-        <p:spPr>
-          <a:xfrm>
-            <a:off x="368299" y="12776801"/>
-            <a:ext cx="7607447" cy="2914039"/>
-          </a:xfrm>
-          <a:prstGeom prst="rect">
-            <a:avLst/>
-          </a:prstGeom>
-        </p:spPr>
-      </p:pic>
-      <p:pic>
-        <p:nvPicPr>
-          <p:cNvPr id="38" name="Picture 37">
-            <a:extLst>
-              <a:ext uri="{FF2B5EF4-FFF2-40B4-BE49-F238E27FC236}">
-                <a16:creationId xmlns:a16="http://schemas.microsoft.com/office/drawing/2014/main" id="{2940A9E6-319B-6E4B-AE02-6E314A1D4A8E}"/>
-              </a:ext>
-            </a:extLst>
-          </p:cNvPr>
-          <p:cNvPicPr>
-            <a:picLocks noChangeAspect="1"/>
-          </p:cNvPicPr>
-          <p:nvPr/>
-        </p:nvPicPr>
-        <p:blipFill>
           <a:blip r:embed="rId11"/>
           <a:stretch>
             <a:fillRect/>
@@ -3694,90 +3671,14 @@
         </p:blipFill>
         <p:spPr>
           <a:xfrm>
-            <a:off x="9510713" y="12293317"/>
-            <a:ext cx="4419600" cy="3810000"/>
+            <a:off x="1779445" y="11777701"/>
+            <a:ext cx="7607447" cy="2914039"/>
           </a:xfrm>
           <a:prstGeom prst="rect">
             <a:avLst/>
           </a:prstGeom>
         </p:spPr>
       </p:pic>
-      <p:sp>
-        <p:nvSpPr>
-          <p:cNvPr id="42" name="TextBox 41">
-            <a:extLst>
-              <a:ext uri="{FF2B5EF4-FFF2-40B4-BE49-F238E27FC236}">
-                <a16:creationId xmlns:a16="http://schemas.microsoft.com/office/drawing/2014/main" id="{C6E43036-5FA2-AD4B-AC05-F6AC66B3B693}"/>
-              </a:ext>
-            </a:extLst>
-          </p:cNvPr>
-          <p:cNvSpPr txBox="1"/>
-          <p:nvPr/>
-        </p:nvSpPr>
-        <p:spPr>
-          <a:xfrm>
-            <a:off x="831045" y="17507524"/>
-            <a:ext cx="9898619" cy="2246769"/>
-          </a:xfrm>
-          <a:prstGeom prst="rect">
-            <a:avLst/>
-          </a:prstGeom>
-          <a:noFill/>
-        </p:spPr>
-        <p:txBody>
-          <a:bodyPr wrap="square" rtlCol="0">
-            <a:spAutoFit/>
-          </a:bodyPr>
-          <a:lstStyle/>
-          <a:p>
-            <a:r>
-              <a:rPr lang="en-US" sz="2800" b="1" dirty="0"/>
-              <a:t>Components</a:t>
-            </a:r>
-            <a:r>
-              <a:rPr lang="en-US" sz="2800" dirty="0"/>
-              <a:t>:</a:t>
-            </a:r>
-          </a:p>
-          <a:p>
-            <a:pPr marL="457200" indent="-457200">
-              <a:buFont typeface="Arial" panose="020B0604020202020204" pitchFamily="34" charset="0"/>
-              <a:buChar char="•"/>
-            </a:pPr>
-            <a:r>
-              <a:rPr lang="en-US" sz="2800" dirty="0"/>
-              <a:t>Cloud Services (AWS)</a:t>
-            </a:r>
-          </a:p>
-          <a:p>
-            <a:pPr marL="457200" indent="-457200">
-              <a:buFont typeface="Arial" panose="020B0604020202020204" pitchFamily="34" charset="0"/>
-              <a:buChar char="•"/>
-            </a:pPr>
-            <a:r>
-              <a:rPr lang="en-US" sz="2800" dirty="0"/>
-              <a:t>Hardware (Raspberry Pi &amp; Adafruit GPS)</a:t>
-            </a:r>
-          </a:p>
-          <a:p>
-            <a:pPr marL="457200" indent="-457200">
-              <a:buFont typeface="Arial" panose="020B0604020202020204" pitchFamily="34" charset="0"/>
-              <a:buChar char="•"/>
-            </a:pPr>
-            <a:r>
-              <a:rPr lang="en-US" sz="2800" dirty="0"/>
-              <a:t>Simulation (AnyLogic)</a:t>
-            </a:r>
-          </a:p>
-          <a:p>
-            <a:pPr marL="457200" indent="-457200">
-              <a:buFont typeface="Arial" panose="020B0604020202020204" pitchFamily="34" charset="0"/>
-              <a:buChar char="•"/>
-            </a:pPr>
-            <a:endParaRPr lang="en-US" sz="2800" dirty="0"/>
-          </a:p>
-        </p:txBody>
-      </p:sp>
       <p:pic>
         <p:nvPicPr>
           <p:cNvPr id="44" name="Picture 43">
@@ -3800,7 +3701,7 @@
         </p:blipFill>
         <p:spPr>
           <a:xfrm>
-            <a:off x="16711666" y="28134800"/>
+            <a:off x="7539510" y="28143263"/>
             <a:ext cx="3514818" cy="1523088"/>
           </a:xfrm>
           <a:prstGeom prst="rect">
@@ -3808,121 +3709,6 @@
           </a:prstGeom>
         </p:spPr>
       </p:pic>
-      <p:sp>
-        <p:nvSpPr>
-          <p:cNvPr id="45" name="TextBox 44">
-            <a:extLst>
-              <a:ext uri="{FF2B5EF4-FFF2-40B4-BE49-F238E27FC236}">
-                <a16:creationId xmlns:a16="http://schemas.microsoft.com/office/drawing/2014/main" id="{65DB10B7-4E74-DC42-BDEC-8A23274916B9}"/>
-              </a:ext>
-            </a:extLst>
-          </p:cNvPr>
-          <p:cNvSpPr txBox="1"/>
-          <p:nvPr/>
-        </p:nvSpPr>
-        <p:spPr>
-          <a:xfrm>
-            <a:off x="11358716" y="17363843"/>
-            <a:ext cx="9898619" cy="8279190"/>
-          </a:xfrm>
-          <a:prstGeom prst="rect">
-            <a:avLst/>
-          </a:prstGeom>
-          <a:noFill/>
-        </p:spPr>
-        <p:txBody>
-          <a:bodyPr wrap="square" rtlCol="0">
-            <a:spAutoFit/>
-          </a:bodyPr>
-          <a:lstStyle/>
-          <a:p>
-            <a:r>
-              <a:rPr lang="en-US" sz="2800" b="1" dirty="0"/>
-              <a:t>Simulation</a:t>
-            </a:r>
-            <a:r>
-              <a:rPr lang="en-US" sz="2800" dirty="0"/>
-              <a:t>:</a:t>
-            </a:r>
-          </a:p>
-          <a:p>
-            <a:r>
-              <a:rPr lang="en-US" sz="2800" dirty="0"/>
-              <a:t>AnyLogic simulation software is used to generate simulations of device movement around a mock-yard, in order to provide input to the cloud services and assess the accuracy of the cloud services output. This style of simulation is known as symbiotic simulation i.e. where a real system responds to input from a simulation. The simulation technique used is known as agent-based simulation, where individual agent behavior is modelled. These simulations can be tuned to adjust parameters such as:</a:t>
-            </a:r>
-          </a:p>
-          <a:p>
-            <a:pPr marL="457200" indent="-457200">
-              <a:buFont typeface="Arial" panose="020B0604020202020204" pitchFamily="34" charset="0"/>
-              <a:buChar char="•"/>
-            </a:pPr>
-            <a:r>
-              <a:rPr lang="en-US" sz="2800" dirty="0"/>
-              <a:t>The number of active devices</a:t>
-            </a:r>
-          </a:p>
-          <a:p>
-            <a:pPr marL="457200" indent="-457200">
-              <a:buFont typeface="Arial" panose="020B0604020202020204" pitchFamily="34" charset="0"/>
-              <a:buChar char="•"/>
-            </a:pPr>
-            <a:r>
-              <a:rPr lang="en-US" sz="2800" dirty="0"/>
-              <a:t>Frequency of device movement</a:t>
-            </a:r>
-          </a:p>
-          <a:p>
-            <a:pPr marL="457200" indent="-457200">
-              <a:buFont typeface="Arial" panose="020B0604020202020204" pitchFamily="34" charset="0"/>
-              <a:buChar char="•"/>
-            </a:pPr>
-            <a:r>
-              <a:rPr lang="en-US" sz="2800" dirty="0"/>
-              <a:t>Speed of device movement</a:t>
-            </a:r>
-          </a:p>
-          <a:p>
-            <a:pPr marL="457200" indent="-457200">
-              <a:buFont typeface="Arial" panose="020B0604020202020204" pitchFamily="34" charset="0"/>
-              <a:buChar char="•"/>
-            </a:pPr>
-            <a:r>
-              <a:rPr lang="en-US" sz="2800" dirty="0"/>
-              <a:t>Burstiness of data</a:t>
-            </a:r>
-          </a:p>
-          <a:p>
-            <a:pPr marL="457200" indent="-457200">
-              <a:buFont typeface="Arial" panose="020B0604020202020204" pitchFamily="34" charset="0"/>
-              <a:buChar char="•"/>
-            </a:pPr>
-            <a:r>
-              <a:rPr lang="en-US" sz="2800" dirty="0"/>
-              <a:t>Range of Bluetooth radio</a:t>
-            </a:r>
-          </a:p>
-          <a:p>
-            <a:endParaRPr lang="en-US" sz="2800" dirty="0"/>
-          </a:p>
-          <a:p>
-            <a:r>
-              <a:rPr lang="en-US" sz="2800" dirty="0"/>
-              <a:t>AnyLogic simulation software provides a GUI that allows graphical drag and drop building of simulations, with more complex relationships and modelling done by inputting Java. </a:t>
-            </a:r>
-          </a:p>
-          <a:p>
-            <a:r>
-              <a:rPr lang="en-US" sz="2800" b="1" dirty="0"/>
-              <a:t>Insert screenshot of </a:t>
-            </a:r>
-            <a:r>
-              <a:rPr lang="en-US" sz="2800" b="1" dirty="0" err="1"/>
-              <a:t>anylogic</a:t>
-            </a:r>
-            <a:endParaRPr lang="en-US" sz="2800" b="1" dirty="0"/>
-          </a:p>
-        </p:txBody>
-      </p:sp>
       <p:sp>
         <p:nvSpPr>
           <p:cNvPr id="47" name="TextBox 46">
@@ -3937,8 +3723,8 @@
         </p:nvSpPr>
         <p:spPr>
           <a:xfrm>
-            <a:off x="578327" y="20359922"/>
-            <a:ext cx="9898619" cy="2246769"/>
+            <a:off x="11131294" y="22942406"/>
+            <a:ext cx="9898619" cy="2308324"/>
           </a:xfrm>
           <a:prstGeom prst="rect">
             <a:avLst/>
@@ -3951,38 +3737,19 @@
           </a:bodyPr>
           <a:lstStyle/>
           <a:p>
-            <a:r>
-              <a:rPr lang="en-US" sz="2800" b="1" dirty="0"/>
+            <a:pPr algn="just"/>
+            <a:r>
+              <a:rPr lang="en-US" sz="2400" b="1" dirty="0"/>
               <a:t>GPS Location Estimation Algorithm:</a:t>
             </a:r>
-            <a:endParaRPr lang="en-US" sz="2800" dirty="0"/>
-          </a:p>
-          <a:p>
-            <a:r>
-              <a:rPr lang="en-US" sz="2800" dirty="0"/>
-              <a:t>Details on the </a:t>
-            </a:r>
-            <a:r>
-              <a:rPr lang="en-US" sz="2800" dirty="0" err="1"/>
-              <a:t>algo</a:t>
-            </a:r>
-            <a:r>
-              <a:rPr lang="en-US" sz="2800" dirty="0"/>
-              <a:t> not built yet…</a:t>
-            </a:r>
-          </a:p>
-          <a:p>
-            <a:endParaRPr lang="en-US" sz="2800" dirty="0"/>
-          </a:p>
-          <a:p>
-            <a:endParaRPr lang="en-US" sz="2800" dirty="0"/>
-          </a:p>
-          <a:p>
-            <a:pPr marL="457200" indent="-457200">
-              <a:buFont typeface="Arial" panose="020B0604020202020204" pitchFamily="34" charset="0"/>
-              <a:buChar char="•"/>
-            </a:pPr>
-            <a:endParaRPr lang="en-US" sz="2800" dirty="0"/>
+            <a:endParaRPr lang="en-US" sz="2400" dirty="0"/>
+          </a:p>
+          <a:p>
+            <a:pPr algn="just"/>
+            <a:r>
+              <a:rPr lang="en-US" sz="2400" dirty="0"/>
+              <a:t>A Kalman filter is used to provide location estimations. This filter implemented in Node.js and run using a Lambda function triggered on input to the Database. Kalman filters work by estimating the value of variables based on previous state and uncertainty, sensor readings (GPS), control input (steering angle, throttle position)</a:t>
+            </a:r>
           </a:p>
         </p:txBody>
       </p:sp>
@@ -4000,8 +3767,8 @@
         </p:nvSpPr>
         <p:spPr>
           <a:xfrm>
-            <a:off x="578326" y="22766275"/>
-            <a:ext cx="9898619" cy="3539430"/>
+            <a:off x="554841" y="26929550"/>
+            <a:ext cx="9898619" cy="1938992"/>
           </a:xfrm>
           <a:prstGeom prst="rect">
             <a:avLst/>
@@ -4014,79 +3781,45 @@
           </a:bodyPr>
           <a:lstStyle/>
           <a:p>
-            <a:r>
-              <a:rPr lang="en-US" sz="2800" b="1" dirty="0"/>
-              <a:t>Remaining Work:</a:t>
-            </a:r>
-            <a:endParaRPr lang="en-US" sz="2800" dirty="0"/>
-          </a:p>
-          <a:p>
-            <a:pPr marL="457200" indent="-457200">
+            <a:pPr marL="457200" indent="-457200" algn="just">
               <a:buFont typeface="Arial" panose="020B0604020202020204" pitchFamily="34" charset="0"/>
               <a:buChar char="•"/>
             </a:pPr>
             <a:r>
-              <a:rPr lang="en-US" sz="2800" dirty="0"/>
-              <a:t>Build </a:t>
-            </a:r>
-            <a:r>
-              <a:rPr lang="en-US" sz="2800" dirty="0" err="1"/>
-              <a:t>algo</a:t>
-            </a:r>
-            <a:endParaRPr lang="en-US" sz="2800" dirty="0"/>
-          </a:p>
-          <a:p>
-            <a:pPr marL="457200" indent="-457200">
+              <a:rPr lang="en-US" sz="2400" dirty="0"/>
+              <a:t>Refinement of Kalman Filter</a:t>
+            </a:r>
+          </a:p>
+          <a:p>
+            <a:pPr marL="457200" indent="-457200" algn="just">
               <a:buFont typeface="Arial" panose="020B0604020202020204" pitchFamily="34" charset="0"/>
               <a:buChar char="•"/>
             </a:pPr>
             <a:r>
-              <a:rPr lang="en-US" sz="2800" dirty="0"/>
-              <a:t>Test </a:t>
-            </a:r>
-            <a:r>
-              <a:rPr lang="en-US" sz="2800" dirty="0" err="1"/>
-              <a:t>algo</a:t>
-            </a:r>
-            <a:endParaRPr lang="en-US" sz="2800" dirty="0"/>
-          </a:p>
-          <a:p>
-            <a:pPr marL="457200" indent="-457200">
+              <a:rPr lang="en-US" sz="2400" dirty="0"/>
+              <a:t>Build more complex simulation (more devices, greater simulation duration)</a:t>
+            </a:r>
+          </a:p>
+          <a:p>
+            <a:pPr marL="457200" indent="-457200" algn="just">
               <a:buFont typeface="Arial" panose="020B0604020202020204" pitchFamily="34" charset="0"/>
               <a:buChar char="•"/>
             </a:pPr>
             <a:r>
-              <a:rPr lang="en-US" sz="2800" dirty="0"/>
-              <a:t>Test using simulations </a:t>
-            </a:r>
-            <a:r>
-              <a:rPr lang="en-US" sz="2800" dirty="0" err="1"/>
-              <a:t>etc</a:t>
-            </a:r>
-            <a:endParaRPr lang="en-US" sz="2800" dirty="0"/>
-          </a:p>
-          <a:p>
-            <a:pPr marL="457200" indent="-457200">
+              <a:rPr lang="en-US" sz="2400" dirty="0"/>
+              <a:t>Testing of Cloud Services using simulation</a:t>
+            </a:r>
+          </a:p>
+          <a:p>
+            <a:pPr algn="just"/>
+            <a:endParaRPr lang="en-US" sz="2400" dirty="0"/>
+          </a:p>
+          <a:p>
+            <a:pPr marL="457200" indent="-457200" algn="just">
               <a:buFont typeface="Arial" panose="020B0604020202020204" pitchFamily="34" charset="0"/>
               <a:buChar char="•"/>
             </a:pPr>
-            <a:r>
-              <a:rPr lang="en-US" sz="2800" dirty="0"/>
-              <a:t>Real world testing of beacon?</a:t>
-            </a:r>
-          </a:p>
-          <a:p>
-            <a:endParaRPr lang="en-US" sz="2800" dirty="0"/>
-          </a:p>
-          <a:p>
-            <a:endParaRPr lang="en-US" sz="2800" dirty="0"/>
-          </a:p>
-          <a:p>
-            <a:pPr marL="457200" indent="-457200">
-              <a:buFont typeface="Arial" panose="020B0604020202020204" pitchFamily="34" charset="0"/>
-              <a:buChar char="•"/>
-            </a:pPr>
-            <a:endParaRPr lang="en-US" sz="2800" dirty="0"/>
+            <a:endParaRPr lang="en-US" sz="2400" dirty="0"/>
           </a:p>
         </p:txBody>
       </p:sp>
@@ -4104,8 +3837,8 @@
         </p:nvSpPr>
         <p:spPr>
           <a:xfrm>
-            <a:off x="807481" y="25772217"/>
-            <a:ext cx="9898619" cy="4401205"/>
+            <a:off x="11131295" y="26929550"/>
+            <a:ext cx="9898619" cy="1569660"/>
           </a:xfrm>
           <a:prstGeom prst="rect">
             <a:avLst/>
@@ -4118,62 +3851,625 @@
           </a:bodyPr>
           <a:lstStyle/>
           <a:p>
-            <a:r>
-              <a:rPr lang="en-US" sz="2800" b="1" dirty="0"/>
-              <a:t>Acknowledgements:</a:t>
-            </a:r>
-          </a:p>
-          <a:p>
-            <a:r>
-              <a:rPr lang="en-US" sz="2800" dirty="0"/>
-              <a:t>I would like to thank the following people for their assistance in the development of this project:</a:t>
-            </a:r>
-          </a:p>
-          <a:p>
-            <a:pPr marL="457200" indent="-457200">
+            <a:pPr algn="just"/>
+            <a:r>
+              <a:rPr lang="en-US" sz="2400" dirty="0"/>
+              <a:t>I would like to thank Dr. Edward Jones, Mr. Martin Burke, Mr. Myles Meehan and Orbcomm for the help I have received throughout this project.</a:t>
+            </a:r>
+          </a:p>
+          <a:p>
+            <a:pPr algn="just"/>
+            <a:endParaRPr lang="en-US" sz="2400" dirty="0"/>
+          </a:p>
+          <a:p>
+            <a:pPr marL="457200" indent="-457200" algn="just">
               <a:buFont typeface="Arial" panose="020B0604020202020204" pitchFamily="34" charset="0"/>
               <a:buChar char="•"/>
             </a:pPr>
-            <a:r>
-              <a:rPr lang="en-US" sz="2800" dirty="0"/>
-              <a:t>Dr. Edward Jones</a:t>
-            </a:r>
-          </a:p>
-          <a:p>
-            <a:pPr marL="457200" indent="-457200">
-              <a:buFont typeface="Arial" panose="020B0604020202020204" pitchFamily="34" charset="0"/>
-              <a:buChar char="•"/>
-            </a:pPr>
-            <a:r>
-              <a:rPr lang="en-US" sz="2800" dirty="0"/>
-              <a:t>Mr. Martin Burke</a:t>
-            </a:r>
-          </a:p>
-          <a:p>
-            <a:pPr marL="457200" indent="-457200">
-              <a:buFont typeface="Arial" panose="020B0604020202020204" pitchFamily="34" charset="0"/>
-              <a:buChar char="•"/>
-            </a:pPr>
-            <a:r>
-              <a:rPr lang="en-US" sz="2800" dirty="0"/>
-              <a:t>Mr. Myles Meehan</a:t>
-            </a:r>
-          </a:p>
-          <a:p>
-            <a:endParaRPr lang="en-US" sz="2800" dirty="0"/>
-          </a:p>
-          <a:p>
-            <a:endParaRPr lang="en-US" sz="2800" dirty="0"/>
-          </a:p>
-          <a:p>
-            <a:endParaRPr lang="en-US" sz="2800" dirty="0"/>
-          </a:p>
-          <a:p>
-            <a:pPr marL="457200" indent="-457200">
-              <a:buFont typeface="Arial" panose="020B0604020202020204" pitchFamily="34" charset="0"/>
-              <a:buChar char="•"/>
-            </a:pPr>
-            <a:endParaRPr lang="en-US" sz="2800" dirty="0"/>
+            <a:endParaRPr lang="en-US" sz="2400" dirty="0"/>
+          </a:p>
+        </p:txBody>
+      </p:sp>
+      <p:sp>
+        <p:nvSpPr>
+          <p:cNvPr id="24" name="TextBox 23">
+            <a:extLst>
+              <a:ext uri="{FF2B5EF4-FFF2-40B4-BE49-F238E27FC236}">
+                <a16:creationId xmlns:a16="http://schemas.microsoft.com/office/drawing/2014/main" id="{0FE70D51-D145-E045-8BA1-BF99F66179C7}"/>
+              </a:ext>
+            </a:extLst>
+          </p:cNvPr>
+          <p:cNvSpPr txBox="1"/>
+          <p:nvPr/>
+        </p:nvSpPr>
+        <p:spPr>
+          <a:xfrm>
+            <a:off x="457200" y="15312076"/>
+            <a:ext cx="10164167" cy="2677656"/>
+          </a:xfrm>
+          <a:prstGeom prst="rect">
+            <a:avLst/>
+          </a:prstGeom>
+          <a:noFill/>
+        </p:spPr>
+        <p:txBody>
+          <a:bodyPr wrap="square" rtlCol="0">
+            <a:spAutoFit/>
+          </a:bodyPr>
+          <a:lstStyle/>
+          <a:p>
+            <a:pPr algn="just"/>
+            <a:r>
+              <a:rPr lang="en-US" sz="2400" dirty="0"/>
+              <a:t>Figure 2 shows what a full production implementation would look like, with physical devices interacting with Cloud Services to provide a solution a user could query to glean information on the location of devices. Using AWS to provide the computational resources has allowed a flexible, scalable architecture to be developed that will automatically scale to production-ready numbers. Node.js is used in the Lambda Functions.</a:t>
+            </a:r>
+          </a:p>
+          <a:p>
+            <a:endParaRPr lang="en-US" sz="2400" dirty="0"/>
+          </a:p>
+        </p:txBody>
+      </p:sp>
+      <p:sp>
+        <p:nvSpPr>
+          <p:cNvPr id="26" name="TextBox 25">
+            <a:extLst>
+              <a:ext uri="{FF2B5EF4-FFF2-40B4-BE49-F238E27FC236}">
+                <a16:creationId xmlns:a16="http://schemas.microsoft.com/office/drawing/2014/main" id="{4DC4B19C-E0FC-D04F-B35E-B450166D3BDB}"/>
+              </a:ext>
+            </a:extLst>
+          </p:cNvPr>
+          <p:cNvSpPr txBox="1"/>
+          <p:nvPr/>
+        </p:nvSpPr>
+        <p:spPr>
+          <a:xfrm>
+            <a:off x="457200" y="4655707"/>
+            <a:ext cx="9046029" cy="843436"/>
+          </a:xfrm>
+          <a:prstGeom prst="rect">
+            <a:avLst/>
+          </a:prstGeom>
+          <a:noFill/>
+        </p:spPr>
+        <p:txBody>
+          <a:bodyPr wrap="square" rtlCol="0">
+            <a:spAutoFit/>
+          </a:bodyPr>
+          <a:lstStyle/>
+          <a:p>
+            <a:r>
+              <a:rPr lang="en-US" dirty="0">
+                <a:solidFill>
+                  <a:srgbClr val="6A0E5A"/>
+                </a:solidFill>
+              </a:rPr>
+              <a:t>1. Introduction</a:t>
+            </a:r>
+          </a:p>
+        </p:txBody>
+      </p:sp>
+      <p:cxnSp>
+        <p:nvCxnSpPr>
+          <p:cNvPr id="31" name="Straight Connector 30">
+            <a:extLst>
+              <a:ext uri="{FF2B5EF4-FFF2-40B4-BE49-F238E27FC236}">
+                <a16:creationId xmlns:a16="http://schemas.microsoft.com/office/drawing/2014/main" id="{1A4322B6-EE23-0548-A0AB-D0C42A7D4921}"/>
+              </a:ext>
+            </a:extLst>
+          </p:cNvPr>
+          <p:cNvCxnSpPr/>
+          <p:nvPr/>
+        </p:nvCxnSpPr>
+        <p:spPr>
+          <a:xfrm>
+            <a:off x="457200" y="5499143"/>
+            <a:ext cx="11038114" cy="0"/>
+          </a:xfrm>
+          <a:prstGeom prst="line">
+            <a:avLst/>
+          </a:prstGeom>
+          <a:ln>
+            <a:solidFill>
+              <a:srgbClr val="6A0E5A"/>
+            </a:solidFill>
+          </a:ln>
+        </p:spPr>
+        <p:style>
+          <a:lnRef idx="1">
+            <a:schemeClr val="accent1"/>
+          </a:lnRef>
+          <a:fillRef idx="0">
+            <a:schemeClr val="accent1"/>
+          </a:fillRef>
+          <a:effectRef idx="0">
+            <a:schemeClr val="accent1"/>
+          </a:effectRef>
+          <a:fontRef idx="minor">
+            <a:schemeClr val="tx1"/>
+          </a:fontRef>
+        </p:style>
+      </p:cxnSp>
+      <p:sp>
+        <p:nvSpPr>
+          <p:cNvPr id="46" name="TextBox 45">
+            <a:extLst>
+              <a:ext uri="{FF2B5EF4-FFF2-40B4-BE49-F238E27FC236}">
+                <a16:creationId xmlns:a16="http://schemas.microsoft.com/office/drawing/2014/main" id="{EA8D760E-3E8F-AB44-8D6B-3A339F2AE241}"/>
+              </a:ext>
+            </a:extLst>
+          </p:cNvPr>
+          <p:cNvSpPr txBox="1"/>
+          <p:nvPr/>
+        </p:nvSpPr>
+        <p:spPr>
+          <a:xfrm>
+            <a:off x="11054328" y="25768439"/>
+            <a:ext cx="9046029" cy="843436"/>
+          </a:xfrm>
+          <a:prstGeom prst="rect">
+            <a:avLst/>
+          </a:prstGeom>
+          <a:noFill/>
+        </p:spPr>
+        <p:txBody>
+          <a:bodyPr wrap="square" rtlCol="0">
+            <a:spAutoFit/>
+          </a:bodyPr>
+          <a:lstStyle/>
+          <a:p>
+            <a:r>
+              <a:rPr lang="en-US" dirty="0">
+                <a:solidFill>
+                  <a:srgbClr val="6A0E5A"/>
+                </a:solidFill>
+              </a:rPr>
+              <a:t>5. Acknowledgements</a:t>
+            </a:r>
+          </a:p>
+        </p:txBody>
+      </p:sp>
+      <p:sp>
+        <p:nvSpPr>
+          <p:cNvPr id="50" name="TextBox 49">
+            <a:extLst>
+              <a:ext uri="{FF2B5EF4-FFF2-40B4-BE49-F238E27FC236}">
+                <a16:creationId xmlns:a16="http://schemas.microsoft.com/office/drawing/2014/main" id="{A98C6912-FD11-2D42-A675-E9FEFE7A29D5}"/>
+              </a:ext>
+            </a:extLst>
+          </p:cNvPr>
+          <p:cNvSpPr txBox="1"/>
+          <p:nvPr/>
+        </p:nvSpPr>
+        <p:spPr>
+          <a:xfrm>
+            <a:off x="334271" y="8881573"/>
+            <a:ext cx="9046029" cy="843436"/>
+          </a:xfrm>
+          <a:prstGeom prst="rect">
+            <a:avLst/>
+          </a:prstGeom>
+          <a:noFill/>
+        </p:spPr>
+        <p:txBody>
+          <a:bodyPr wrap="square" rtlCol="0">
+            <a:spAutoFit/>
+          </a:bodyPr>
+          <a:lstStyle/>
+          <a:p>
+            <a:r>
+              <a:rPr lang="en-US" dirty="0">
+                <a:solidFill>
+                  <a:srgbClr val="6A0E5A"/>
+                </a:solidFill>
+              </a:rPr>
+              <a:t>3. Implementation</a:t>
+            </a:r>
+          </a:p>
+        </p:txBody>
+      </p:sp>
+      <p:sp>
+        <p:nvSpPr>
+          <p:cNvPr id="51" name="TextBox 50">
+            <a:extLst>
+              <a:ext uri="{FF2B5EF4-FFF2-40B4-BE49-F238E27FC236}">
+                <a16:creationId xmlns:a16="http://schemas.microsoft.com/office/drawing/2014/main" id="{997EC351-0C52-104A-B539-55E4A813A17B}"/>
+              </a:ext>
+            </a:extLst>
+          </p:cNvPr>
+          <p:cNvSpPr txBox="1"/>
+          <p:nvPr/>
+        </p:nvSpPr>
+        <p:spPr>
+          <a:xfrm>
+            <a:off x="457199" y="25822415"/>
+            <a:ext cx="9046029" cy="843436"/>
+          </a:xfrm>
+          <a:prstGeom prst="rect">
+            <a:avLst/>
+          </a:prstGeom>
+          <a:noFill/>
+        </p:spPr>
+        <p:txBody>
+          <a:bodyPr wrap="square" rtlCol="0">
+            <a:spAutoFit/>
+          </a:bodyPr>
+          <a:lstStyle/>
+          <a:p>
+            <a:r>
+              <a:rPr lang="en-US" dirty="0">
+                <a:solidFill>
+                  <a:srgbClr val="6A0E5A"/>
+                </a:solidFill>
+              </a:rPr>
+              <a:t>4. Remaining Work</a:t>
+            </a:r>
+          </a:p>
+        </p:txBody>
+      </p:sp>
+      <p:sp>
+        <p:nvSpPr>
+          <p:cNvPr id="52" name="TextBox 51">
+            <a:extLst>
+              <a:ext uri="{FF2B5EF4-FFF2-40B4-BE49-F238E27FC236}">
+                <a16:creationId xmlns:a16="http://schemas.microsoft.com/office/drawing/2014/main" id="{F92963ED-029D-7249-995A-8905725F6E97}"/>
+              </a:ext>
+            </a:extLst>
+          </p:cNvPr>
+          <p:cNvSpPr txBox="1"/>
+          <p:nvPr/>
+        </p:nvSpPr>
+        <p:spPr>
+          <a:xfrm>
+            <a:off x="12389568" y="4606928"/>
+            <a:ext cx="9046029" cy="843436"/>
+          </a:xfrm>
+          <a:prstGeom prst="rect">
+            <a:avLst/>
+          </a:prstGeom>
+          <a:noFill/>
+        </p:spPr>
+        <p:txBody>
+          <a:bodyPr wrap="square" rtlCol="0">
+            <a:spAutoFit/>
+          </a:bodyPr>
+          <a:lstStyle/>
+          <a:p>
+            <a:r>
+              <a:rPr lang="en-US" dirty="0">
+                <a:solidFill>
+                  <a:srgbClr val="6A0E5A"/>
+                </a:solidFill>
+              </a:rPr>
+              <a:t>2. Objectives</a:t>
+            </a:r>
+          </a:p>
+        </p:txBody>
+      </p:sp>
+      <p:cxnSp>
+        <p:nvCxnSpPr>
+          <p:cNvPr id="53" name="Straight Connector 52">
+            <a:extLst>
+              <a:ext uri="{FF2B5EF4-FFF2-40B4-BE49-F238E27FC236}">
+                <a16:creationId xmlns:a16="http://schemas.microsoft.com/office/drawing/2014/main" id="{5ABEC81B-BD0C-7E47-99A1-5E2FD6D11106}"/>
+              </a:ext>
+            </a:extLst>
+          </p:cNvPr>
+          <p:cNvCxnSpPr>
+            <a:cxnSpLocks/>
+          </p:cNvCxnSpPr>
+          <p:nvPr/>
+        </p:nvCxnSpPr>
+        <p:spPr>
+          <a:xfrm>
+            <a:off x="12389996" y="5499143"/>
+            <a:ext cx="8494112" cy="0"/>
+          </a:xfrm>
+          <a:prstGeom prst="line">
+            <a:avLst/>
+          </a:prstGeom>
+          <a:ln>
+            <a:solidFill>
+              <a:srgbClr val="6A0E5A"/>
+            </a:solidFill>
+          </a:ln>
+        </p:spPr>
+        <p:style>
+          <a:lnRef idx="1">
+            <a:schemeClr val="accent1"/>
+          </a:lnRef>
+          <a:fillRef idx="0">
+            <a:schemeClr val="accent1"/>
+          </a:fillRef>
+          <a:effectRef idx="0">
+            <a:schemeClr val="accent1"/>
+          </a:effectRef>
+          <a:fontRef idx="minor">
+            <a:schemeClr val="tx1"/>
+          </a:fontRef>
+        </p:style>
+      </p:cxnSp>
+      <p:cxnSp>
+        <p:nvCxnSpPr>
+          <p:cNvPr id="54" name="Straight Connector 53">
+            <a:extLst>
+              <a:ext uri="{FF2B5EF4-FFF2-40B4-BE49-F238E27FC236}">
+                <a16:creationId xmlns:a16="http://schemas.microsoft.com/office/drawing/2014/main" id="{6D02B183-4D38-EC4C-A5F8-BAE046859249}"/>
+              </a:ext>
+            </a:extLst>
+          </p:cNvPr>
+          <p:cNvCxnSpPr>
+            <a:cxnSpLocks/>
+          </p:cNvCxnSpPr>
+          <p:nvPr/>
+        </p:nvCxnSpPr>
+        <p:spPr>
+          <a:xfrm>
+            <a:off x="334271" y="9725009"/>
+            <a:ext cx="20695643" cy="0"/>
+          </a:xfrm>
+          <a:prstGeom prst="line">
+            <a:avLst/>
+          </a:prstGeom>
+          <a:ln>
+            <a:solidFill>
+              <a:srgbClr val="6A0E5A"/>
+            </a:solidFill>
+          </a:ln>
+        </p:spPr>
+        <p:style>
+          <a:lnRef idx="1">
+            <a:schemeClr val="accent1"/>
+          </a:lnRef>
+          <a:fillRef idx="0">
+            <a:schemeClr val="accent1"/>
+          </a:fillRef>
+          <a:effectRef idx="0">
+            <a:schemeClr val="accent1"/>
+          </a:effectRef>
+          <a:fontRef idx="minor">
+            <a:schemeClr val="tx1"/>
+          </a:fontRef>
+        </p:style>
+      </p:cxnSp>
+      <p:cxnSp>
+        <p:nvCxnSpPr>
+          <p:cNvPr id="55" name="Straight Connector 54">
+            <a:extLst>
+              <a:ext uri="{FF2B5EF4-FFF2-40B4-BE49-F238E27FC236}">
+                <a16:creationId xmlns:a16="http://schemas.microsoft.com/office/drawing/2014/main" id="{135829D8-9869-594A-88B0-AA6810464412}"/>
+              </a:ext>
+            </a:extLst>
+          </p:cNvPr>
+          <p:cNvCxnSpPr>
+            <a:cxnSpLocks/>
+          </p:cNvCxnSpPr>
+          <p:nvPr/>
+        </p:nvCxnSpPr>
+        <p:spPr>
+          <a:xfrm>
+            <a:off x="457199" y="26736362"/>
+            <a:ext cx="9996261" cy="0"/>
+          </a:xfrm>
+          <a:prstGeom prst="line">
+            <a:avLst/>
+          </a:prstGeom>
+          <a:ln>
+            <a:solidFill>
+              <a:srgbClr val="6A0E5A"/>
+            </a:solidFill>
+          </a:ln>
+        </p:spPr>
+        <p:style>
+          <a:lnRef idx="1">
+            <a:schemeClr val="accent1"/>
+          </a:lnRef>
+          <a:fillRef idx="0">
+            <a:schemeClr val="accent1"/>
+          </a:fillRef>
+          <a:effectRef idx="0">
+            <a:schemeClr val="accent1"/>
+          </a:effectRef>
+          <a:fontRef idx="minor">
+            <a:schemeClr val="tx1"/>
+          </a:fontRef>
+        </p:style>
+      </p:cxnSp>
+      <p:cxnSp>
+        <p:nvCxnSpPr>
+          <p:cNvPr id="56" name="Straight Connector 55">
+            <a:extLst>
+              <a:ext uri="{FF2B5EF4-FFF2-40B4-BE49-F238E27FC236}">
+                <a16:creationId xmlns:a16="http://schemas.microsoft.com/office/drawing/2014/main" id="{D4BDB8C8-3277-1748-93B5-25BAEC5E1F2C}"/>
+              </a:ext>
+            </a:extLst>
+          </p:cNvPr>
+          <p:cNvCxnSpPr>
+            <a:cxnSpLocks/>
+          </p:cNvCxnSpPr>
+          <p:nvPr/>
+        </p:nvCxnSpPr>
+        <p:spPr>
+          <a:xfrm>
+            <a:off x="11044136" y="26736362"/>
+            <a:ext cx="9910864" cy="0"/>
+          </a:xfrm>
+          <a:prstGeom prst="line">
+            <a:avLst/>
+          </a:prstGeom>
+          <a:ln>
+            <a:solidFill>
+              <a:srgbClr val="6A0E5A"/>
+            </a:solidFill>
+          </a:ln>
+        </p:spPr>
+        <p:style>
+          <a:lnRef idx="1">
+            <a:schemeClr val="accent1"/>
+          </a:lnRef>
+          <a:fillRef idx="0">
+            <a:schemeClr val="accent1"/>
+          </a:fillRef>
+          <a:effectRef idx="0">
+            <a:schemeClr val="accent1"/>
+          </a:effectRef>
+          <a:fontRef idx="minor">
+            <a:schemeClr val="tx1"/>
+          </a:fontRef>
+        </p:style>
+      </p:cxnSp>
+      <p:sp>
+        <p:nvSpPr>
+          <p:cNvPr id="43" name="TextBox 42">
+            <a:extLst>
+              <a:ext uri="{FF2B5EF4-FFF2-40B4-BE49-F238E27FC236}">
+                <a16:creationId xmlns:a16="http://schemas.microsoft.com/office/drawing/2014/main" id="{83A4DEED-8CF2-5D46-9A49-B19C9DC6F388}"/>
+              </a:ext>
+            </a:extLst>
+          </p:cNvPr>
+          <p:cNvSpPr txBox="1"/>
+          <p:nvPr/>
+        </p:nvSpPr>
+        <p:spPr>
+          <a:xfrm>
+            <a:off x="15329449" y="21651659"/>
+            <a:ext cx="1077686" cy="843436"/>
+          </a:xfrm>
+          <a:prstGeom prst="rect">
+            <a:avLst/>
+          </a:prstGeom>
+          <a:noFill/>
+        </p:spPr>
+        <p:txBody>
+          <a:bodyPr wrap="square" rtlCol="0">
+            <a:spAutoFit/>
+          </a:bodyPr>
+          <a:lstStyle/>
+          <a:p>
+            <a:r>
+              <a:rPr lang="en-US" sz="1600" i="1" dirty="0"/>
+              <a:t>Figure 4.</a:t>
+            </a:r>
+            <a:r>
+              <a:rPr lang="en-US" dirty="0"/>
+              <a:t> </a:t>
+            </a:r>
+          </a:p>
+        </p:txBody>
+      </p:sp>
+      <p:sp>
+        <p:nvSpPr>
+          <p:cNvPr id="58" name="TextBox 57">
+            <a:extLst>
+              <a:ext uri="{FF2B5EF4-FFF2-40B4-BE49-F238E27FC236}">
+                <a16:creationId xmlns:a16="http://schemas.microsoft.com/office/drawing/2014/main" id="{81CA344B-BF97-414E-B6C2-3C8E3C38FE79}"/>
+              </a:ext>
+            </a:extLst>
+          </p:cNvPr>
+          <p:cNvSpPr txBox="1"/>
+          <p:nvPr/>
+        </p:nvSpPr>
+        <p:spPr>
+          <a:xfrm>
+            <a:off x="17683040" y="16090022"/>
+            <a:ext cx="1077686" cy="843436"/>
+          </a:xfrm>
+          <a:prstGeom prst="rect">
+            <a:avLst/>
+          </a:prstGeom>
+          <a:noFill/>
+        </p:spPr>
+        <p:txBody>
+          <a:bodyPr wrap="square" rtlCol="0">
+            <a:spAutoFit/>
+          </a:bodyPr>
+          <a:lstStyle/>
+          <a:p>
+            <a:r>
+              <a:rPr lang="en-US" sz="1600" i="1" dirty="0"/>
+              <a:t>Figure 3.</a:t>
+            </a:r>
+            <a:r>
+              <a:rPr lang="en-US" dirty="0"/>
+              <a:t> </a:t>
+            </a:r>
+          </a:p>
+        </p:txBody>
+      </p:sp>
+      <p:sp>
+        <p:nvSpPr>
+          <p:cNvPr id="59" name="TextBox 58">
+            <a:extLst>
+              <a:ext uri="{FF2B5EF4-FFF2-40B4-BE49-F238E27FC236}">
+                <a16:creationId xmlns:a16="http://schemas.microsoft.com/office/drawing/2014/main" id="{96D49ECB-8CB5-4D4E-8B2F-CC03530CF3EF}"/>
+              </a:ext>
+            </a:extLst>
+          </p:cNvPr>
+          <p:cNvSpPr txBox="1"/>
+          <p:nvPr/>
+        </p:nvSpPr>
+        <p:spPr>
+          <a:xfrm>
+            <a:off x="5000440" y="24975904"/>
+            <a:ext cx="1077686" cy="843436"/>
+          </a:xfrm>
+          <a:prstGeom prst="rect">
+            <a:avLst/>
+          </a:prstGeom>
+          <a:noFill/>
+        </p:spPr>
+        <p:txBody>
+          <a:bodyPr wrap="square" rtlCol="0">
+            <a:spAutoFit/>
+          </a:bodyPr>
+          <a:lstStyle/>
+          <a:p>
+            <a:r>
+              <a:rPr lang="en-US" sz="1600" i="1" dirty="0"/>
+              <a:t>Figure 2.</a:t>
+            </a:r>
+            <a:r>
+              <a:rPr lang="en-US" dirty="0"/>
+              <a:t> </a:t>
+            </a:r>
+          </a:p>
+        </p:txBody>
+      </p:sp>
+      <p:sp>
+        <p:nvSpPr>
+          <p:cNvPr id="60" name="TextBox 59">
+            <a:extLst>
+              <a:ext uri="{FF2B5EF4-FFF2-40B4-BE49-F238E27FC236}">
+                <a16:creationId xmlns:a16="http://schemas.microsoft.com/office/drawing/2014/main" id="{38A801B1-C036-364C-A367-E25CC8A7F632}"/>
+              </a:ext>
+            </a:extLst>
+          </p:cNvPr>
+          <p:cNvSpPr txBox="1"/>
+          <p:nvPr/>
+        </p:nvSpPr>
+        <p:spPr>
+          <a:xfrm>
+            <a:off x="5044325" y="14431061"/>
+            <a:ext cx="1077686" cy="843436"/>
+          </a:xfrm>
+          <a:prstGeom prst="rect">
+            <a:avLst/>
+          </a:prstGeom>
+          <a:noFill/>
+        </p:spPr>
+        <p:txBody>
+          <a:bodyPr wrap="square" rtlCol="0">
+            <a:spAutoFit/>
+          </a:bodyPr>
+          <a:lstStyle/>
+          <a:p>
+            <a:r>
+              <a:rPr lang="en-US" sz="1600" i="1" dirty="0"/>
+              <a:t>Figure 1.</a:t>
+            </a:r>
+            <a:r>
+              <a:rPr lang="en-US" dirty="0"/>
+              <a:t> </a:t>
+            </a:r>
           </a:p>
         </p:txBody>
       </p:sp>
